--- a/Arion Health Framework.pptx
+++ b/Arion Health Framework.pptx
@@ -108,6 +108,11 @@
       </a:defRPr>
     </a:lvl9pPr>
   </p:defaultTextStyle>
+  <p:extLst>
+    <p:ext uri="{EFAFB233-063F-42B5-8137-9DF3F51BA10A}">
+      <p15:sldGuideLst xmlns:p15="http://schemas.microsoft.com/office/powerpoint/2012/main"/>
+    </p:ext>
+  </p:extLst>
 </p:presentation>
 </file>
 
@@ -3982,7 +3987,7 @@
         </p:nvSpPr>
         <p:spPr>
           <a:xfrm>
-            <a:off x="452486" y="504010"/>
+            <a:off x="452486" y="450671"/>
             <a:ext cx="8472500" cy="1292662"/>
           </a:xfrm>
           <a:prstGeom prst="rect">
@@ -5279,8 +5284,8 @@
         </p:nvSpPr>
         <p:spPr>
           <a:xfrm>
-            <a:off x="433337" y="1896847"/>
-            <a:ext cx="5990696" cy="1938992"/>
+            <a:off x="450508" y="1734095"/>
+            <a:ext cx="5990696" cy="2123658"/>
           </a:xfrm>
           <a:prstGeom prst="rect">
             <a:avLst/>
@@ -5368,7 +5373,15 @@
             </a:r>
             <a:r>
               <a:rPr lang="en-US" sz="1200" dirty="0"/>
-              <a:t> : A set of APIs for health check definition and health query for CLI to use.</a:t>
+              <a:t> : A set of APIs for health check definition and health query for CLI to use. We can construct </a:t>
+            </a:r>
+            <a:r>
+              <a:rPr lang="en-US" sz="1200" b="1" dirty="0"/>
+              <a:t>DSL</a:t>
+            </a:r>
+            <a:r>
+              <a:rPr lang="en-US" sz="1200" dirty="0"/>
+              <a:t> for defining events.</a:t>
             </a:r>
           </a:p>
         </p:txBody>
@@ -5387,7 +5400,7 @@
         </p:nvSpPr>
         <p:spPr>
           <a:xfrm>
-            <a:off x="433337" y="3890812"/>
+            <a:off x="424736" y="3916873"/>
             <a:ext cx="5818252" cy="2677656"/>
           </a:xfrm>
           <a:prstGeom prst="rect">
@@ -5451,15 +5464,21 @@
             </a:r>
           </a:p>
           <a:p>
+            <a:endParaRPr lang="en-US" sz="1200" dirty="0"/>
+          </a:p>
+          <a:p>
+            <a:r>
+              <a:rPr lang="en-US" sz="1200" b="1" dirty="0"/>
+              <a:t>What’s the difference?</a:t>
+            </a:r>
+          </a:p>
+          <a:p>
             <a:pPr marL="228600" indent="-228600">
               <a:buAutoNum type="arabicPeriod"/>
             </a:pPr>
-            <a:endParaRPr lang="en-US" sz="1200" dirty="0"/>
-          </a:p>
-          <a:p>
-            <a:r>
-              <a:rPr lang="en-US" sz="1200" b="1" dirty="0"/>
-              <a:t>What’s the difference?</a:t>
+            <a:r>
+              <a:rPr lang="en-US" sz="1200" dirty="0"/>
+              <a:t>Finer monitoring events at edge with faster response instead of pure collecting massive raw telemetry data and slower response or even worse, undetected symptoms;</a:t>
             </a:r>
           </a:p>
           <a:p>
@@ -5468,16 +5487,7 @@
             </a:pPr>
             <a:r>
               <a:rPr lang="en-US" sz="1200" dirty="0"/>
-              <a:t>Finer monitoring events at edge with faster response instead of pure collecting massive raw telemetry data and slower response</a:t>
-            </a:r>
-          </a:p>
-          <a:p>
-            <a:pPr marL="228600" indent="-228600">
-              <a:buAutoNum type="arabicPeriod"/>
-            </a:pPr>
-            <a:r>
-              <a:rPr lang="en-US" sz="1200" dirty="0"/>
-              <a:t> dynamic event creation and injection, allow adding AI into the equation;</a:t>
+              <a:t> dynamic event creation and injection, allow adding AI into the equation in the future;</a:t>
             </a:r>
           </a:p>
           <a:p>
